--- a/Python3/3.Python3-高级特性.pptx
+++ b/Python3/3.Python3-高级特性.pptx
@@ -9620,7 +9620,7 @@
         <p:spPr>
           <a:xfrm>
             <a:off x="571500" y="2646680"/>
-            <a:ext cx="8254365" cy="4154170"/>
+            <a:ext cx="8254365" cy="3784600"/>
           </a:xfrm>
           <a:prstGeom prst="rect">
             <a:avLst/>
@@ -9632,46 +9632,56 @@
             <a:spAutoFit/>
           </a:bodyPr>
           <a:p>
-            <a:r>
-              <a:rPr lang="zh-CN" altLang="en-US"/>
+            <a:pPr indent="457200" eaLnBrk="1" latinLnBrk="0" hangingPunct="1">
+              <a:lnSpc>
+                <a:spcPct val="150000"/>
+              </a:lnSpc>
+            </a:pPr>
+            <a:r>
+              <a:rPr lang="zh-CN" altLang="en-US" sz="2000"/>
               <a:t>我们已经知道， 可以直接作用于 for 循环的数据类型有以下几种：</a:t>
             </a:r>
-            <a:endParaRPr lang="zh-CN" altLang="en-US"/>
-          </a:p>
-          <a:p>
-            <a:r>
-              <a:rPr lang="zh-CN" altLang="en-US"/>
-              <a:t>一类是集合数据类型， 如 list 、 tuple 、 dict 、 set 、 str 等；</a:t>
-            </a:r>
-            <a:endParaRPr lang="zh-CN" altLang="en-US"/>
-          </a:p>
-          <a:p>
-            <a:r>
-              <a:rPr lang="zh-CN" altLang="en-US"/>
-              <a:t>一类是 generator ， 包括生成器和带 yield 的generator function。</a:t>
-            </a:r>
-            <a:endParaRPr lang="zh-CN" altLang="en-US"/>
-          </a:p>
-          <a:p>
-            <a:r>
-              <a:rPr lang="zh-CN" altLang="en-US"/>
-              <a:t>这些可以直接作用于 for 循环的对象统称为可迭代对象：Iterable 。</a:t>
-            </a:r>
-            <a:endParaRPr lang="zh-CN" altLang="en-US"/>
-          </a:p>
-          <a:p>
-            <a:r>
-              <a:rPr lang="zh-CN" altLang="en-US"/>
-              <a:t>可以使用 isinstance() 判断一个对象是否是 Iterable 对象。</a:t>
-            </a:r>
-            <a:endParaRPr lang="zh-CN" altLang="en-US"/>
-          </a:p>
-          <a:p>
-            <a:r>
-              <a:rPr lang="en-US" altLang="zh-CN"/>
+            <a:endParaRPr lang="zh-CN" altLang="en-US" sz="2000"/>
+          </a:p>
+          <a:p>
+            <a:pPr indent="457200" eaLnBrk="1" latinLnBrk="0" hangingPunct="1">
+              <a:lnSpc>
+                <a:spcPct val="150000"/>
+              </a:lnSpc>
+            </a:pPr>
+            <a:r>
+              <a:rPr lang="zh-CN" altLang="en-US" sz="2000"/>
+              <a:t>一类是集合数据类型， 如 list 、tuple 、dict 、set 、str 等；</a:t>
+            </a:r>
+            <a:endParaRPr lang="zh-CN" altLang="en-US" sz="2000"/>
+          </a:p>
+          <a:p>
+            <a:pPr indent="457200" eaLnBrk="1" latinLnBrk="0" hangingPunct="1">
+              <a:lnSpc>
+                <a:spcPct val="150000"/>
+              </a:lnSpc>
+            </a:pPr>
+            <a:r>
+              <a:rPr lang="zh-CN" altLang="en-US" sz="2000"/>
+              <a:t>一类是 generator ，包括生成器和带 yield的generator function。</a:t>
+            </a:r>
+            <a:endParaRPr lang="zh-CN" altLang="en-US" sz="2000"/>
+          </a:p>
+          <a:p>
+            <a:pPr indent="457200" eaLnBrk="1" latinLnBrk="0" hangingPunct="1">
+              <a:lnSpc>
+                <a:spcPct val="150000"/>
+              </a:lnSpc>
+            </a:pPr>
+            <a:r>
+              <a:rPr lang="zh-CN" altLang="en-US" sz="2000"/>
+              <a:t>这些可以直接作用于 for 循环的对象统称为可迭代对象：Iterable 。可以使用 isinstance() 判断一个对象是否是 Iterable 对象。</a:t>
+            </a:r>
+            <a:r>
+              <a:rPr lang="en-US" altLang="zh-CN" sz="2000"/>
               <a:t>而生成器不但可以作用于 for 循环， 还可以被 next() 函数不断调用并返回下一个值， 直到最后抛出 StopIteration 错误表示无法继续返回下一个值了。可以被 next() 函数调用并不断返回下一个值的对象称为迭代器： Iterator 。</a:t>
             </a:r>
-            <a:endParaRPr lang="en-US" altLang="zh-CN"/>
+            <a:endParaRPr lang="en-US" altLang="zh-CN" sz="2000"/>
           </a:p>
         </p:txBody>
       </p:sp>
@@ -9816,27 +9826,15 @@
             <a:spAutoFit/>
           </a:bodyPr>
           <a:p>
+            <a:pPr indent="457200" eaLnBrk="1" latinLnBrk="0" hangingPunct="1"/>
             <a:r>
               <a:rPr lang="zh-CN" altLang="en-US"/>
-              <a:t>生成器都是 Iterator 对象， 但 list 、 dict 、 str 虽然是 Iterable ， 却不是 Iterator 。</a:t>
-            </a:r>
-            <a:endParaRPr lang="zh-CN" altLang="en-US"/>
-          </a:p>
-          <a:p>
-            <a:r>
-              <a:rPr lang="zh-CN" altLang="en-US"/>
-              <a:t>把 list 、 dict 、 str 等 Iterable 变成 Iterator 可以使用 iter() 函</a:t>
-            </a:r>
-            <a:endParaRPr lang="zh-CN" altLang="en-US"/>
-          </a:p>
-          <a:p>
-            <a:r>
-              <a:rPr lang="zh-CN" altLang="en-US"/>
-              <a:t>数。</a:t>
-            </a:r>
-            <a:endParaRPr lang="zh-CN" altLang="en-US"/>
-          </a:p>
-          <a:p>
+              <a:t>生成器都是 Iterator 对象， 但 list 、 dict 、 str 虽然是 Iterable ， 却不是 Iterator 。把 list 、 dict 、 str 等 Iterable 变成 Iterator 可以使用 iter() 函数。</a:t>
+            </a:r>
+            <a:endParaRPr lang="zh-CN" altLang="en-US"/>
+          </a:p>
+          <a:p>
+            <a:pPr indent="457200" eaLnBrk="1" latinLnBrk="0" hangingPunct="1"/>
             <a:r>
               <a:rPr lang="zh-CN" altLang="en-US"/>
               <a:t> </a:t>
@@ -9852,6 +9850,7 @@
             <a:endParaRPr lang="zh-CN" altLang="en-US"/>
           </a:p>
           <a:p>
+            <a:pPr indent="457200" eaLnBrk="1" latinLnBrk="0" hangingPunct="1"/>
             <a:r>
               <a:rPr lang="zh-CN" altLang="en-US"/>
               <a:t>这是因为Python的 Iterator 对象表示的是一个数据流， Iterator对象可以被 next() 函数调用并不断返回下一个数据， 直到没有数据时抛出 StopIteration 错误。 可以把这个数据流看做是一个有序序列， 但我们却不能提前知道序列的长度， 只能不断通过 next() 函数实现按需计算下一个数据， 所以 Iterator 的计算是惰性的， 只有在需要返回下一个数据时它才会计算。</a:t>
@@ -10033,7 +10032,7 @@
         <p:spPr>
           <a:xfrm>
             <a:off x="571500" y="2033905"/>
-            <a:ext cx="8050530" cy="4892675"/>
+            <a:ext cx="8050530" cy="4523105"/>
           </a:xfrm>
           <a:prstGeom prst="rect">
             <a:avLst/>
@@ -10061,7 +10060,7 @@
             </a:endParaRPr>
           </a:p>
           <a:p>
-            <a:pPr algn="l"/>
+            <a:pPr indent="457200" algn="l" eaLnBrk="1" latinLnBrk="0" hangingPunct="1"/>
             <a:r>
               <a:rPr lang="zh-CN" altLang="en-US"/>
               <a:t>取一个list或tuple的部分元素是非常常见的操作。 比如， 一个list如下：</a:t>
@@ -10085,7 +10084,7 @@
             <a:endParaRPr lang="zh-CN" altLang="en-US"/>
           </a:p>
           <a:p>
-            <a:pPr algn="l"/>
+            <a:pPr indent="457200" algn="l" eaLnBrk="1" latinLnBrk="0" hangingPunct="1"/>
             <a:r>
               <a:rPr lang="zh-CN" altLang="en-US"/>
               <a:t>取前3个元素， 应该怎么做？</a:t>
@@ -10117,7 +10116,7 @@
             <a:endParaRPr lang="zh-CN" altLang="en-US"/>
           </a:p>
           <a:p>
-            <a:pPr algn="l"/>
+            <a:pPr indent="457200" algn="l" eaLnBrk="1" latinLnBrk="0" hangingPunct="1"/>
             <a:r>
               <a:rPr lang="zh-CN" altLang="en-US"/>
               <a:t>什么都不写， 只写 [:] 就可以原样复制一个list。</a:t>
@@ -10125,18 +10124,10 @@
             <a:endParaRPr lang="zh-CN" altLang="en-US"/>
           </a:p>
           <a:p>
-            <a:pPr algn="l"/>
+            <a:pPr indent="457200" algn="l" eaLnBrk="1" latinLnBrk="0" hangingPunct="1"/>
             <a:r>
               <a:rPr lang="zh-CN" altLang="en-US"/>
-              <a:t>tuple也是一种list， 唯一区别是tuple不可变。 因此， tuple也可以用切片操作， 只是</a:t>
-            </a:r>
-            <a:endParaRPr lang="zh-CN" altLang="en-US"/>
-          </a:p>
-          <a:p>
-            <a:pPr algn="l"/>
-            <a:r>
-              <a:rPr lang="zh-CN" altLang="en-US"/>
-              <a:t>操作的结果仍是tuple：</a:t>
+              <a:t>tuple也是一种list， 唯一区别是tuple不可变。 因此， tuple也可以用切片操作， 只是操作的结果仍是tuple：</a:t>
             </a:r>
             <a:endParaRPr lang="zh-CN" altLang="en-US"/>
           </a:p>
@@ -10257,7 +10248,7 @@
         <p:spPr>
           <a:xfrm>
             <a:off x="571500" y="2033905"/>
-            <a:ext cx="8050530" cy="4154170"/>
+            <a:ext cx="8050530" cy="3784600"/>
           </a:xfrm>
           <a:prstGeom prst="rect">
             <a:avLst/>
@@ -10285,23 +10276,15 @@
             </a:endParaRPr>
           </a:p>
           <a:p>
-            <a:pPr algn="l"/>
+            <a:pPr indent="457200" algn="l" eaLnBrk="1" latinLnBrk="0" hangingPunct="1"/>
             <a:r>
               <a:rPr lang="zh-CN" altLang="en-US"/>
-              <a:t>如果给定一个list或tuple， 我们可以通过 for 循环来遍历这个list或tuple， 这种遍</a:t>
-            </a:r>
-            <a:endParaRPr lang="zh-CN" altLang="en-US"/>
-          </a:p>
-          <a:p>
-            <a:pPr algn="l"/>
-            <a:r>
-              <a:rPr lang="zh-CN" altLang="en-US"/>
-              <a:t>历我们称为迭代（Iteration） 。</a:t>
-            </a:r>
-            <a:endParaRPr lang="zh-CN" altLang="en-US"/>
-          </a:p>
-          <a:p>
-            <a:pPr algn="l"/>
+              <a:t>如果给定一个list或tuple， 我们可以通过 for 循环来遍历这个list或tuple， 这种遍历我们称为迭代（Iteration） 。</a:t>
+            </a:r>
+            <a:endParaRPr lang="zh-CN" altLang="en-US"/>
+          </a:p>
+          <a:p>
+            <a:pPr indent="457200" algn="l" eaLnBrk="1" latinLnBrk="0" hangingPunct="1"/>
             <a:r>
               <a:rPr lang="zh-CN" altLang="en-US"/>
               <a:t>在Python中， 迭代是通过 for ... in 来完成的。</a:t>
@@ -10311,10 +10294,16 @@
           <a:p>
             <a:pPr algn="l"/>
             <a:r>
-              <a:rPr lang="zh-CN" altLang="en-US"/>
+              <a:rPr lang="zh-CN" altLang="en-US">
+                <a:latin typeface="Source Code Pro" panose="020B0509030403020204" charset="0"/>
+                <a:cs typeface="Source Code Pro" panose="020B0509030403020204" charset="0"/>
+              </a:rPr>
               <a:t>for k, v in d.items()：</a:t>
             </a:r>
-            <a:endParaRPr lang="zh-CN" altLang="en-US"/>
+            <a:endParaRPr lang="zh-CN" altLang="en-US">
+              <a:latin typeface="Source Code Pro" panose="020B0509030403020204" charset="0"/>
+              <a:cs typeface="Source Code Pro" panose="020B0509030403020204" charset="0"/>
+            </a:endParaRPr>
           </a:p>
           <a:p>
             <a:pPr algn="l"/>
@@ -10325,6 +10314,8 @@
                     <a:lumMod val="50000"/>
                   </a:schemeClr>
                 </a:solidFill>
+                <a:latin typeface="Source Code Pro" panose="020B0509030403020204" charset="0"/>
+                <a:cs typeface="Source Code Pro" panose="020B0509030403020204" charset="0"/>
               </a:rPr>
               <a:t>    </a:t>
             </a:r>
@@ -10335,6 +10326,8 @@
                     <a:lumMod val="50000"/>
                   </a:schemeClr>
                 </a:solidFill>
+                <a:latin typeface="Source Code Pro" panose="020B0509030403020204" charset="0"/>
+                <a:cs typeface="Source Code Pro" panose="020B0509030403020204" charset="0"/>
               </a:rPr>
               <a:t># Do sth...</a:t>
             </a:r>
@@ -10344,6 +10337,8 @@
                   <a:lumMod val="50000"/>
                 </a:schemeClr>
               </a:solidFill>
+              <a:latin typeface="Source Code Pro" panose="020B0509030403020204" charset="0"/>
+              <a:cs typeface="Source Code Pro" panose="020B0509030403020204" charset="0"/>
             </a:endParaRPr>
           </a:p>
           <a:p>
@@ -10393,6 +10388,8 @@
                 <a:solidFill>
                   <a:schemeClr val="tx1"/>
                 </a:solidFill>
+                <a:latin typeface="Source Code Pro" panose="020B0509030403020204" charset="0"/>
+                <a:cs typeface="Source Code Pro" panose="020B0509030403020204" charset="0"/>
               </a:rPr>
               <a:t>for i, value in enumerate(['A', 'B', 'C']):</a:t>
             </a:r>
@@ -10400,6 +10397,8 @@
               <a:solidFill>
                 <a:schemeClr val="tx1"/>
               </a:solidFill>
+              <a:latin typeface="Source Code Pro" panose="020B0509030403020204" charset="0"/>
+              <a:cs typeface="Source Code Pro" panose="020B0509030403020204" charset="0"/>
             </a:endParaRPr>
           </a:p>
           <a:p>
@@ -10409,6 +10408,8 @@
                 <a:solidFill>
                   <a:schemeClr val="tx1"/>
                 </a:solidFill>
+                <a:latin typeface="Source Code Pro" panose="020B0509030403020204" charset="0"/>
+                <a:cs typeface="Source Code Pro" panose="020B0509030403020204" charset="0"/>
               </a:rPr>
               <a:t>    print(i, value)</a:t>
             </a:r>
@@ -10416,6 +10417,8 @@
               <a:solidFill>
                 <a:schemeClr val="tx1"/>
               </a:solidFill>
+              <a:latin typeface="Source Code Pro" panose="020B0509030403020204" charset="0"/>
+              <a:cs typeface="Source Code Pro" panose="020B0509030403020204" charset="0"/>
             </a:endParaRPr>
           </a:p>
         </p:txBody>
@@ -10428,8 +10431,8 @@
         </p:nvSpPr>
         <p:spPr>
           <a:xfrm>
-            <a:off x="4844415" y="3880485"/>
-            <a:ext cx="3552825" cy="829945"/>
+            <a:off x="3799205" y="4064635"/>
+            <a:ext cx="4573270" cy="829945"/>
           </a:xfrm>
           <a:prstGeom prst="rect">
             <a:avLst/>
@@ -10443,14 +10446,23 @@
           <a:p>
             <a:pPr algn="l"/>
             <a:r>
-              <a:rPr lang="zh-CN" altLang="en-US"/>
+              <a:rPr lang="zh-CN" altLang="en-US">
+                <a:latin typeface="Source Code Pro" panose="020B0509030403020204" charset="0"/>
+                <a:cs typeface="Source Code Pro" panose="020B0509030403020204" charset="0"/>
+              </a:rPr>
               <a:t>for value in d.values()</a:t>
             </a:r>
             <a:r>
-              <a:rPr lang="en-US" altLang="zh-CN"/>
+              <a:rPr lang="en-US" altLang="zh-CN">
+                <a:latin typeface="Source Code Pro" panose="020B0509030403020204" charset="0"/>
+                <a:cs typeface="Source Code Pro" panose="020B0509030403020204" charset="0"/>
+              </a:rPr>
               <a:t>:</a:t>
             </a:r>
-            <a:endParaRPr lang="en-US" altLang="zh-CN"/>
+            <a:endParaRPr lang="en-US" altLang="zh-CN">
+              <a:latin typeface="Source Code Pro" panose="020B0509030403020204" charset="0"/>
+              <a:cs typeface="Source Code Pro" panose="020B0509030403020204" charset="0"/>
+            </a:endParaRPr>
           </a:p>
           <a:p>
             <a:pPr algn="l"/>
@@ -10461,6 +10473,8 @@
                     <a:lumMod val="50000"/>
                   </a:schemeClr>
                 </a:solidFill>
+                <a:latin typeface="Source Code Pro" panose="020B0509030403020204" charset="0"/>
+                <a:cs typeface="Source Code Pro" panose="020B0509030403020204" charset="0"/>
               </a:rPr>
               <a:t>    # Do sth...</a:t>
             </a:r>
@@ -10470,6 +10484,8 @@
                   <a:lumMod val="50000"/>
                 </a:schemeClr>
               </a:solidFill>
+              <a:latin typeface="Source Code Pro" panose="020B0509030403020204" charset="0"/>
+              <a:cs typeface="Source Code Pro" panose="020B0509030403020204" charset="0"/>
             </a:endParaRPr>
           </a:p>
         </p:txBody>
@@ -10593,7 +10609,7 @@
             </a:endParaRPr>
           </a:p>
           <a:p>
-            <a:pPr algn="l"/>
+            <a:pPr indent="457200" algn="l" eaLnBrk="1" latinLnBrk="0" hangingPunct="1"/>
             <a:r>
               <a:rPr lang="zh-CN" altLang="en-US"/>
               <a:t>列表生成式即List Comprehensions， 是Python内置的非常简单却强大的可以用来创建list的生成式。</a:t>
@@ -10601,7 +10617,7 @@
             <a:endParaRPr lang="zh-CN" altLang="en-US"/>
           </a:p>
           <a:p>
-            <a:pPr algn="l"/>
+            <a:pPr indent="457200" algn="l" eaLnBrk="1" latinLnBrk="0" hangingPunct="1"/>
             <a:r>
               <a:rPr lang="zh-CN" altLang="en-US"/>
               <a:t>如果要生成 [1x1, 2x2, 3x3, ..., 10x10]</a:t>
@@ -10854,7 +10870,7 @@
             </a:endParaRPr>
           </a:p>
           <a:p>
-            <a:pPr algn="l"/>
+            <a:pPr indent="457200" algn="l" eaLnBrk="1" latinLnBrk="0" hangingPunct="1"/>
             <a:r>
               <a:rPr lang="zh-CN" altLang="en-US"/>
               <a:t>通过列表生成式， 我们可以直接创建一个列表。 但是， 受到内存限制， 列表容量肯定是有限的。 而且， 创建一个包含100万个元素的列表， 不仅占用很大的存储空间， 如果我们仅仅需要访问前面几个元素， 那后面绝大多数元素占用的空间都白白浪费了。</a:t>
@@ -10862,7 +10878,7 @@
             <a:endParaRPr lang="zh-CN" altLang="en-US"/>
           </a:p>
           <a:p>
-            <a:pPr algn="l"/>
+            <a:pPr indent="457200" algn="l" eaLnBrk="1" latinLnBrk="0" hangingPunct="1"/>
             <a:r>
               <a:rPr lang="zh-CN" altLang="en-US"/>
               <a:t>所以， 如果列表元素可以按照某种算法推算出来， 那我们是否可以在循环的过程中不断推算出后续的元素呢？这样就不必创建完整的list， 从而节省大量的空间。 在Python中， 这种一边循环一边计算的机制， 称为生成器：generator。</a:t>
@@ -10995,8 +11011,8 @@
         </p:nvSpPr>
         <p:spPr>
           <a:xfrm>
-            <a:off x="571500" y="2646680"/>
-            <a:ext cx="3710940" cy="2676525"/>
+            <a:off x="137795" y="2646680"/>
+            <a:ext cx="4450080" cy="2676525"/>
           </a:xfrm>
           <a:prstGeom prst="rect">
             <a:avLst/>
@@ -11009,34 +11025,56 @@
           </a:bodyPr>
           <a:p>
             <a:r>
-              <a:rPr lang="zh-CN" altLang="en-US"/>
+              <a:rPr lang="zh-CN" altLang="en-US">
+                <a:latin typeface="Source Code Pro" panose="020B0509030403020204" charset="0"/>
+                <a:cs typeface="Source Code Pro" panose="020B0509030403020204" charset="0"/>
+              </a:rPr>
               <a:t>def fib(max):</a:t>
             </a:r>
-            <a:endParaRPr lang="zh-CN" altLang="en-US"/>
-          </a:p>
-          <a:p>
-            <a:r>
-              <a:rPr lang="zh-CN" altLang="en-US"/>
+            <a:endParaRPr lang="zh-CN" altLang="en-US">
+              <a:latin typeface="Source Code Pro" panose="020B0509030403020204" charset="0"/>
+              <a:cs typeface="Source Code Pro" panose="020B0509030403020204" charset="0"/>
+            </a:endParaRPr>
+          </a:p>
+          <a:p>
+            <a:r>
+              <a:rPr lang="zh-CN" altLang="en-US">
+                <a:latin typeface="Source Code Pro" panose="020B0509030403020204" charset="0"/>
+                <a:cs typeface="Source Code Pro" panose="020B0509030403020204" charset="0"/>
+              </a:rPr>
               <a:t>    n, a, b = 0, 0, 1</a:t>
             </a:r>
-            <a:endParaRPr lang="zh-CN" altLang="en-US"/>
+            <a:endParaRPr lang="zh-CN" altLang="en-US">
+              <a:latin typeface="Source Code Pro" panose="020B0509030403020204" charset="0"/>
+              <a:cs typeface="Source Code Pro" panose="020B0509030403020204" charset="0"/>
+            </a:endParaRPr>
           </a:p>
           <a:p>
             <a:r>
               <a:rPr lang="zh-CN" altLang="en-US">
+                <a:latin typeface="Source Code Pro" panose="020B0509030403020204" charset="0"/>
+                <a:cs typeface="Source Code Pro" panose="020B0509030403020204" charset="0"/>
                 <a:sym typeface="+mn-ea"/>
               </a:rPr>
               <a:t>    </a:t>
             </a:r>
             <a:r>
-              <a:rPr lang="zh-CN" altLang="en-US"/>
+              <a:rPr lang="zh-CN" altLang="en-US">
+                <a:latin typeface="Source Code Pro" panose="020B0509030403020204" charset="0"/>
+                <a:cs typeface="Source Code Pro" panose="020B0509030403020204" charset="0"/>
+              </a:rPr>
               <a:t>while n &lt; max:</a:t>
             </a:r>
-            <a:endParaRPr lang="zh-CN" altLang="en-US"/>
+            <a:endParaRPr lang="zh-CN" altLang="en-US">
+              <a:latin typeface="Source Code Pro" panose="020B0509030403020204" charset="0"/>
+              <a:cs typeface="Source Code Pro" panose="020B0509030403020204" charset="0"/>
+            </a:endParaRPr>
           </a:p>
           <a:p>
             <a:r>
               <a:rPr lang="zh-CN" altLang="en-US">
+                <a:latin typeface="Source Code Pro" panose="020B0509030403020204" charset="0"/>
+                <a:cs typeface="Source Code Pro" panose="020B0509030403020204" charset="0"/>
                 <a:sym typeface="+mn-ea"/>
               </a:rPr>
               <a:t>        </a:t>
@@ -11046,49 +11084,78 @@
                 <a:solidFill>
                   <a:srgbClr val="FF0000"/>
                 </a:solidFill>
+                <a:latin typeface="Source Code Pro" panose="020B0509030403020204" charset="0"/>
+                <a:cs typeface="Source Code Pro" panose="020B0509030403020204" charset="0"/>
               </a:rPr>
               <a:t>print(b)</a:t>
             </a:r>
-            <a:endParaRPr lang="zh-CN" altLang="en-US"/>
+            <a:endParaRPr lang="zh-CN" altLang="en-US">
+              <a:latin typeface="Source Code Pro" panose="020B0509030403020204" charset="0"/>
+              <a:cs typeface="Source Code Pro" panose="020B0509030403020204" charset="0"/>
+            </a:endParaRPr>
           </a:p>
           <a:p>
             <a:r>
               <a:rPr lang="zh-CN" altLang="en-US">
+                <a:latin typeface="Source Code Pro" panose="020B0509030403020204" charset="0"/>
+                <a:cs typeface="Source Code Pro" panose="020B0509030403020204" charset="0"/>
                 <a:sym typeface="+mn-ea"/>
               </a:rPr>
               <a:t>        </a:t>
             </a:r>
             <a:r>
-              <a:rPr lang="zh-CN" altLang="en-US"/>
+              <a:rPr lang="zh-CN" altLang="en-US">
+                <a:latin typeface="Source Code Pro" panose="020B0509030403020204" charset="0"/>
+                <a:cs typeface="Source Code Pro" panose="020B0509030403020204" charset="0"/>
+              </a:rPr>
               <a:t>a, b = b, a + b</a:t>
             </a:r>
-            <a:endParaRPr lang="zh-CN" altLang="en-US"/>
+            <a:endParaRPr lang="zh-CN" altLang="en-US">
+              <a:latin typeface="Source Code Pro" panose="020B0509030403020204" charset="0"/>
+              <a:cs typeface="Source Code Pro" panose="020B0509030403020204" charset="0"/>
+            </a:endParaRPr>
           </a:p>
           <a:p>
             <a:r>
               <a:rPr lang="zh-CN" altLang="en-US">
+                <a:latin typeface="Source Code Pro" panose="020B0509030403020204" charset="0"/>
+                <a:cs typeface="Source Code Pro" panose="020B0509030403020204" charset="0"/>
                 <a:sym typeface="+mn-ea"/>
               </a:rPr>
               <a:t>        </a:t>
             </a:r>
             <a:r>
-              <a:rPr lang="zh-CN" altLang="en-US"/>
+              <a:rPr lang="zh-CN" altLang="en-US">
+                <a:latin typeface="Source Code Pro" panose="020B0509030403020204" charset="0"/>
+                <a:cs typeface="Source Code Pro" panose="020B0509030403020204" charset="0"/>
+              </a:rPr>
               <a:t>n = n + 1</a:t>
             </a:r>
-            <a:endParaRPr lang="zh-CN" altLang="en-US"/>
+            <a:endParaRPr lang="zh-CN" altLang="en-US">
+              <a:latin typeface="Source Code Pro" panose="020B0509030403020204" charset="0"/>
+              <a:cs typeface="Source Code Pro" panose="020B0509030403020204" charset="0"/>
+            </a:endParaRPr>
           </a:p>
           <a:p>
             <a:r>
               <a:rPr lang="zh-CN" altLang="en-US">
+                <a:latin typeface="Source Code Pro" panose="020B0509030403020204" charset="0"/>
+                <a:cs typeface="Source Code Pro" panose="020B0509030403020204" charset="0"/>
                 <a:sym typeface="+mn-ea"/>
               </a:rPr>
               <a:t>    </a:t>
             </a:r>
             <a:r>
-              <a:rPr lang="zh-CN" altLang="en-US"/>
+              <a:rPr lang="zh-CN" altLang="en-US">
+                <a:latin typeface="Source Code Pro" panose="020B0509030403020204" charset="0"/>
+                <a:cs typeface="Source Code Pro" panose="020B0509030403020204" charset="0"/>
+              </a:rPr>
               <a:t>return 'done'</a:t>
             </a:r>
-            <a:endParaRPr lang="zh-CN" altLang="en-US"/>
+            <a:endParaRPr lang="zh-CN" altLang="en-US">
+              <a:latin typeface="Source Code Pro" panose="020B0509030403020204" charset="0"/>
+              <a:cs typeface="Source Code Pro" panose="020B0509030403020204" charset="0"/>
+            </a:endParaRPr>
           </a:p>
         </p:txBody>
       </p:sp>
@@ -11100,8 +11167,8 @@
         </p:nvSpPr>
         <p:spPr>
           <a:xfrm>
-            <a:off x="4552950" y="2646680"/>
-            <a:ext cx="3710940" cy="2676525"/>
+            <a:off x="4587240" y="2646680"/>
+            <a:ext cx="4578350" cy="2676525"/>
           </a:xfrm>
           <a:prstGeom prst="rect">
             <a:avLst/>
@@ -11114,34 +11181,56 @@
           </a:bodyPr>
           <a:p>
             <a:r>
-              <a:rPr lang="zh-CN" altLang="en-US"/>
+              <a:rPr lang="zh-CN" altLang="en-US">
+                <a:latin typeface="Source Code Pro" panose="020B0509030403020204" charset="0"/>
+                <a:cs typeface="Source Code Pro" panose="020B0509030403020204" charset="0"/>
+              </a:rPr>
               <a:t>def fib(max):</a:t>
             </a:r>
-            <a:endParaRPr lang="zh-CN" altLang="en-US"/>
-          </a:p>
-          <a:p>
-            <a:r>
-              <a:rPr lang="zh-CN" altLang="en-US"/>
+            <a:endParaRPr lang="zh-CN" altLang="en-US">
+              <a:latin typeface="Source Code Pro" panose="020B0509030403020204" charset="0"/>
+              <a:cs typeface="Source Code Pro" panose="020B0509030403020204" charset="0"/>
+            </a:endParaRPr>
+          </a:p>
+          <a:p>
+            <a:r>
+              <a:rPr lang="zh-CN" altLang="en-US">
+                <a:latin typeface="Source Code Pro" panose="020B0509030403020204" charset="0"/>
+                <a:cs typeface="Source Code Pro" panose="020B0509030403020204" charset="0"/>
+              </a:rPr>
               <a:t>    n, a, b = 0, 0, 1</a:t>
             </a:r>
-            <a:endParaRPr lang="zh-CN" altLang="en-US"/>
+            <a:endParaRPr lang="zh-CN" altLang="en-US">
+              <a:latin typeface="Source Code Pro" panose="020B0509030403020204" charset="0"/>
+              <a:cs typeface="Source Code Pro" panose="020B0509030403020204" charset="0"/>
+            </a:endParaRPr>
           </a:p>
           <a:p>
             <a:r>
               <a:rPr lang="zh-CN" altLang="en-US">
+                <a:latin typeface="Source Code Pro" panose="020B0509030403020204" charset="0"/>
+                <a:cs typeface="Source Code Pro" panose="020B0509030403020204" charset="0"/>
                 <a:sym typeface="+mn-ea"/>
               </a:rPr>
               <a:t>    </a:t>
             </a:r>
             <a:r>
-              <a:rPr lang="zh-CN" altLang="en-US"/>
+              <a:rPr lang="zh-CN" altLang="en-US">
+                <a:latin typeface="Source Code Pro" panose="020B0509030403020204" charset="0"/>
+                <a:cs typeface="Source Code Pro" panose="020B0509030403020204" charset="0"/>
+              </a:rPr>
               <a:t>while n &lt; max:</a:t>
             </a:r>
-            <a:endParaRPr lang="zh-CN" altLang="en-US"/>
+            <a:endParaRPr lang="zh-CN" altLang="en-US">
+              <a:latin typeface="Source Code Pro" panose="020B0509030403020204" charset="0"/>
+              <a:cs typeface="Source Code Pro" panose="020B0509030403020204" charset="0"/>
+            </a:endParaRPr>
           </a:p>
           <a:p>
             <a:r>
               <a:rPr lang="zh-CN" altLang="en-US">
+                <a:latin typeface="Source Code Pro" panose="020B0509030403020204" charset="0"/>
+                <a:cs typeface="Source Code Pro" panose="020B0509030403020204" charset="0"/>
                 <a:sym typeface="+mn-ea"/>
               </a:rPr>
               <a:t>        </a:t>
@@ -11151,6 +11240,8 @@
                 <a:solidFill>
                   <a:srgbClr val="FF0000"/>
                 </a:solidFill>
+                <a:latin typeface="Source Code Pro" panose="020B0509030403020204" charset="0"/>
+                <a:cs typeface="Source Code Pro" panose="020B0509030403020204" charset="0"/>
               </a:rPr>
               <a:t>yield b</a:t>
             </a:r>
@@ -11158,49 +11249,112 @@
               <a:solidFill>
                 <a:srgbClr val="FF0000"/>
               </a:solidFill>
+              <a:latin typeface="Source Code Pro" panose="020B0509030403020204" charset="0"/>
+              <a:cs typeface="Source Code Pro" panose="020B0509030403020204" charset="0"/>
             </a:endParaRPr>
           </a:p>
           <a:p>
             <a:r>
               <a:rPr lang="zh-CN" altLang="en-US">
+                <a:latin typeface="Source Code Pro" panose="020B0509030403020204" charset="0"/>
+                <a:cs typeface="Source Code Pro" panose="020B0509030403020204" charset="0"/>
                 <a:sym typeface="+mn-ea"/>
               </a:rPr>
               <a:t>        </a:t>
             </a:r>
             <a:r>
-              <a:rPr lang="zh-CN" altLang="en-US"/>
+              <a:rPr lang="zh-CN" altLang="en-US">
+                <a:latin typeface="Source Code Pro" panose="020B0509030403020204" charset="0"/>
+                <a:cs typeface="Source Code Pro" panose="020B0509030403020204" charset="0"/>
+              </a:rPr>
               <a:t>a, b = b, a + b</a:t>
             </a:r>
-            <a:endParaRPr lang="zh-CN" altLang="en-US"/>
+            <a:endParaRPr lang="zh-CN" altLang="en-US">
+              <a:latin typeface="Source Code Pro" panose="020B0509030403020204" charset="0"/>
+              <a:cs typeface="Source Code Pro" panose="020B0509030403020204" charset="0"/>
+            </a:endParaRPr>
           </a:p>
           <a:p>
             <a:r>
               <a:rPr lang="zh-CN" altLang="en-US">
+                <a:latin typeface="Source Code Pro" panose="020B0509030403020204" charset="0"/>
+                <a:cs typeface="Source Code Pro" panose="020B0509030403020204" charset="0"/>
                 <a:sym typeface="+mn-ea"/>
               </a:rPr>
               <a:t>        </a:t>
             </a:r>
             <a:r>
-              <a:rPr lang="zh-CN" altLang="en-US"/>
+              <a:rPr lang="zh-CN" altLang="en-US">
+                <a:latin typeface="Source Code Pro" panose="020B0509030403020204" charset="0"/>
+                <a:cs typeface="Source Code Pro" panose="020B0509030403020204" charset="0"/>
+              </a:rPr>
               <a:t>n = n + 1</a:t>
             </a:r>
-            <a:endParaRPr lang="zh-CN" altLang="en-US"/>
+            <a:endParaRPr lang="zh-CN" altLang="en-US">
+              <a:latin typeface="Source Code Pro" panose="020B0509030403020204" charset="0"/>
+              <a:cs typeface="Source Code Pro" panose="020B0509030403020204" charset="0"/>
+            </a:endParaRPr>
           </a:p>
           <a:p>
             <a:r>
               <a:rPr lang="zh-CN" altLang="en-US">
+                <a:latin typeface="Source Code Pro" panose="020B0509030403020204" charset="0"/>
+                <a:cs typeface="Source Code Pro" panose="020B0509030403020204" charset="0"/>
                 <a:sym typeface="+mn-ea"/>
               </a:rPr>
               <a:t>    </a:t>
             </a:r>
             <a:r>
-              <a:rPr lang="zh-CN" altLang="en-US"/>
+              <a:rPr lang="zh-CN" altLang="en-US">
+                <a:latin typeface="Source Code Pro" panose="020B0509030403020204" charset="0"/>
+                <a:cs typeface="Source Code Pro" panose="020B0509030403020204" charset="0"/>
+              </a:rPr>
               <a:t>return 'done'</a:t>
             </a:r>
-            <a:endParaRPr lang="zh-CN" altLang="en-US"/>
-          </a:p>
-        </p:txBody>
-      </p:sp>
+            <a:endParaRPr lang="zh-CN" altLang="en-US">
+              <a:latin typeface="Source Code Pro" panose="020B0509030403020204" charset="0"/>
+              <a:cs typeface="Source Code Pro" panose="020B0509030403020204" charset="0"/>
+            </a:endParaRPr>
+          </a:p>
+        </p:txBody>
+      </p:sp>
+      <p:cxnSp>
+        <p:nvCxnSpPr>
+          <p:cNvPr id="5" name="直接连接符 4"/>
+          <p:cNvCxnSpPr/>
+          <p:nvPr/>
+        </p:nvCxnSpPr>
+        <p:spPr>
+          <a:xfrm>
+            <a:off x="4552315" y="2219960"/>
+            <a:ext cx="19685" cy="3571240"/>
+          </a:xfrm>
+          <a:prstGeom prst="line">
+            <a:avLst/>
+          </a:prstGeom>
+          <a:ln>
+            <a:solidFill>
+              <a:schemeClr val="bg2">
+                <a:lumMod val="50000"/>
+              </a:schemeClr>
+            </a:solidFill>
+          </a:ln>
+        </p:spPr>
+        <p:style>
+          <a:lnRef idx="1">
+            <a:schemeClr val="accent1"/>
+          </a:lnRef>
+          <a:fillRef idx="0">
+            <a:schemeClr val="accent1"/>
+          </a:fillRef>
+          <a:effectRef idx="0">
+            <a:schemeClr val="accent1"/>
+          </a:effectRef>
+          <a:fontRef idx="minor">
+            <a:schemeClr val="tx1"/>
+          </a:fontRef>
+        </p:style>
+      </p:cxnSp>
     </p:spTree>
     <p:custDataLst>
       <p:tags r:id="rId2"/>
@@ -11339,82 +11493,134 @@
           </a:bodyPr>
           <a:p>
             <a:r>
-              <a:rPr lang="zh-CN" altLang="en-US"/>
+              <a:rPr lang="zh-CN" altLang="en-US">
+                <a:latin typeface="Source Code Pro" panose="020B0509030403020204" charset="0"/>
+                <a:cs typeface="Source Code Pro" panose="020B0509030403020204" charset="0"/>
+              </a:rPr>
               <a:t>def odd():</a:t>
             </a:r>
-            <a:endParaRPr lang="zh-CN" altLang="en-US"/>
-          </a:p>
-          <a:p>
-            <a:r>
-              <a:rPr lang="zh-CN" altLang="en-US"/>
+            <a:endParaRPr lang="zh-CN" altLang="en-US">
+              <a:latin typeface="Source Code Pro" panose="020B0509030403020204" charset="0"/>
+              <a:cs typeface="Source Code Pro" panose="020B0509030403020204" charset="0"/>
+            </a:endParaRPr>
+          </a:p>
+          <a:p>
+            <a:r>
+              <a:rPr lang="zh-CN" altLang="en-US">
+                <a:latin typeface="Source Code Pro" panose="020B0509030403020204" charset="0"/>
+                <a:cs typeface="Source Code Pro" panose="020B0509030403020204" charset="0"/>
+              </a:rPr>
               <a:t>    print('step 1')</a:t>
             </a:r>
-            <a:endParaRPr lang="zh-CN" altLang="en-US"/>
+            <a:endParaRPr lang="zh-CN" altLang="en-US">
+              <a:latin typeface="Source Code Pro" panose="020B0509030403020204" charset="0"/>
+              <a:cs typeface="Source Code Pro" panose="020B0509030403020204" charset="0"/>
+            </a:endParaRPr>
           </a:p>
           <a:p>
             <a:r>
               <a:rPr lang="zh-CN" altLang="en-US">
+                <a:latin typeface="Source Code Pro" panose="020B0509030403020204" charset="0"/>
+                <a:cs typeface="Source Code Pro" panose="020B0509030403020204" charset="0"/>
                 <a:sym typeface="+mn-ea"/>
               </a:rPr>
               <a:t>    </a:t>
             </a:r>
             <a:r>
-              <a:rPr lang="zh-CN" altLang="en-US"/>
+              <a:rPr lang="zh-CN" altLang="en-US">
+                <a:latin typeface="Source Code Pro" panose="020B0509030403020204" charset="0"/>
+                <a:cs typeface="Source Code Pro" panose="020B0509030403020204" charset="0"/>
+              </a:rPr>
               <a:t>yield 1</a:t>
             </a:r>
-            <a:endParaRPr lang="zh-CN" altLang="en-US"/>
+            <a:endParaRPr lang="zh-CN" altLang="en-US">
+              <a:latin typeface="Source Code Pro" panose="020B0509030403020204" charset="0"/>
+              <a:cs typeface="Source Code Pro" panose="020B0509030403020204" charset="0"/>
+            </a:endParaRPr>
           </a:p>
           <a:p>
             <a:r>
               <a:rPr lang="zh-CN" altLang="en-US">
+                <a:latin typeface="Source Code Pro" panose="020B0509030403020204" charset="0"/>
+                <a:cs typeface="Source Code Pro" panose="020B0509030403020204" charset="0"/>
                 <a:sym typeface="+mn-ea"/>
               </a:rPr>
               <a:t>    </a:t>
             </a:r>
             <a:r>
-              <a:rPr lang="zh-CN" altLang="en-US"/>
+              <a:rPr lang="zh-CN" altLang="en-US">
+                <a:latin typeface="Source Code Pro" panose="020B0509030403020204" charset="0"/>
+                <a:cs typeface="Source Code Pro" panose="020B0509030403020204" charset="0"/>
+              </a:rPr>
               <a:t>print('step 2')</a:t>
             </a:r>
-            <a:endParaRPr lang="zh-CN" altLang="en-US"/>
+            <a:endParaRPr lang="zh-CN" altLang="en-US">
+              <a:latin typeface="Source Code Pro" panose="020B0509030403020204" charset="0"/>
+              <a:cs typeface="Source Code Pro" panose="020B0509030403020204" charset="0"/>
+            </a:endParaRPr>
           </a:p>
           <a:p>
             <a:r>
               <a:rPr lang="zh-CN" altLang="en-US">
+                <a:latin typeface="Source Code Pro" panose="020B0509030403020204" charset="0"/>
+                <a:cs typeface="Source Code Pro" panose="020B0509030403020204" charset="0"/>
                 <a:sym typeface="+mn-ea"/>
               </a:rPr>
               <a:t>    </a:t>
             </a:r>
             <a:r>
-              <a:rPr lang="zh-CN" altLang="en-US"/>
+              <a:rPr lang="zh-CN" altLang="en-US">
+                <a:latin typeface="Source Code Pro" panose="020B0509030403020204" charset="0"/>
+                <a:cs typeface="Source Code Pro" panose="020B0509030403020204" charset="0"/>
+              </a:rPr>
               <a:t>yield(3)</a:t>
             </a:r>
-            <a:endParaRPr lang="zh-CN" altLang="en-US"/>
+            <a:endParaRPr lang="zh-CN" altLang="en-US">
+              <a:latin typeface="Source Code Pro" panose="020B0509030403020204" charset="0"/>
+              <a:cs typeface="Source Code Pro" panose="020B0509030403020204" charset="0"/>
+            </a:endParaRPr>
           </a:p>
           <a:p>
             <a:r>
               <a:rPr lang="zh-CN" altLang="en-US">
+                <a:latin typeface="Source Code Pro" panose="020B0509030403020204" charset="0"/>
+                <a:cs typeface="Source Code Pro" panose="020B0509030403020204" charset="0"/>
                 <a:sym typeface="+mn-ea"/>
               </a:rPr>
               <a:t>    </a:t>
             </a:r>
             <a:r>
-              <a:rPr lang="zh-CN" altLang="en-US"/>
+              <a:rPr lang="zh-CN" altLang="en-US">
+                <a:latin typeface="Source Code Pro" panose="020B0509030403020204" charset="0"/>
+                <a:cs typeface="Source Code Pro" panose="020B0509030403020204" charset="0"/>
+              </a:rPr>
               <a:t>print('step 3')</a:t>
             </a:r>
-            <a:endParaRPr lang="zh-CN" altLang="en-US"/>
+            <a:endParaRPr lang="zh-CN" altLang="en-US">
+              <a:latin typeface="Source Code Pro" panose="020B0509030403020204" charset="0"/>
+              <a:cs typeface="Source Code Pro" panose="020B0509030403020204" charset="0"/>
+            </a:endParaRPr>
           </a:p>
           <a:p>
             <a:r>
               <a:rPr lang="zh-CN" altLang="en-US">
+                <a:latin typeface="Source Code Pro" panose="020B0509030403020204" charset="0"/>
+                <a:cs typeface="Source Code Pro" panose="020B0509030403020204" charset="0"/>
                 <a:sym typeface="+mn-ea"/>
               </a:rPr>
               <a:t>    </a:t>
             </a:r>
             <a:r>
-              <a:rPr lang="zh-CN" altLang="en-US"/>
+              <a:rPr lang="zh-CN" altLang="en-US">
+                <a:latin typeface="Source Code Pro" panose="020B0509030403020204" charset="0"/>
+                <a:cs typeface="Source Code Pro" panose="020B0509030403020204" charset="0"/>
+              </a:rPr>
               <a:t>yield(5)</a:t>
             </a:r>
-            <a:endParaRPr lang="zh-CN" altLang="en-US"/>
+            <a:endParaRPr lang="zh-CN" altLang="en-US">
+              <a:latin typeface="Source Code Pro" panose="020B0509030403020204" charset="0"/>
+              <a:cs typeface="Source Code Pro" panose="020B0509030403020204" charset="0"/>
+            </a:endParaRPr>
           </a:p>
         </p:txBody>
       </p:sp>
@@ -11426,7 +11632,7 @@
         </p:nvSpPr>
         <p:spPr>
           <a:xfrm>
-            <a:off x="3183255" y="2646680"/>
+            <a:off x="4833620" y="2646680"/>
             <a:ext cx="2221230" cy="4154170"/>
           </a:xfrm>
           <a:prstGeom prst="rect">
@@ -11565,7 +11771,7 @@
         </p:nvSpPr>
         <p:spPr>
           <a:xfrm>
-            <a:off x="4737735" y="5601970"/>
+            <a:off x="228600" y="5601970"/>
             <a:ext cx="4396740" cy="1198880"/>
           </a:xfrm>
           <a:prstGeom prst="rect">
@@ -11608,6 +11814,357 @@
                 <a:srgbClr val="FF0000"/>
               </a:solidFill>
               <a:sym typeface="+mn-ea"/>
+            </a:endParaRPr>
+          </a:p>
+        </p:txBody>
+      </p:sp>
+      <p:sp>
+        <p:nvSpPr>
+          <p:cNvPr id="160" name=" 160"/>
+          <p:cNvSpPr/>
+          <p:nvPr/>
+        </p:nvSpPr>
+        <p:spPr>
+          <a:xfrm flipH="1">
+            <a:off x="3987165" y="6205855"/>
+            <a:ext cx="846455" cy="372745"/>
+          </a:xfrm>
+          <a:custGeom>
+            <a:avLst/>
+            <a:gdLst>
+              <a:gd name="connsiteX0" fmla="*/ 2723651 w 2860172"/>
+              <a:gd name="connsiteY0" fmla="*/ 817 h 2023853"/>
+              <a:gd name="connsiteX1" fmla="*/ 2826935 w 2860172"/>
+              <a:gd name="connsiteY1" fmla="*/ 33337 h 2023853"/>
+              <a:gd name="connsiteX2" fmla="*/ 2829774 w 2860172"/>
+              <a:gd name="connsiteY2" fmla="*/ 35326 h 2023853"/>
+              <a:gd name="connsiteX3" fmla="*/ 2849613 w 2860172"/>
+              <a:gd name="connsiteY3" fmla="*/ 185007 h 2023853"/>
+              <a:gd name="connsiteX4" fmla="*/ 2807494 w 2860172"/>
+              <a:gd name="connsiteY4" fmla="*/ 326285 h 2023853"/>
+              <a:gd name="connsiteX5" fmla="*/ 2480152 w 2860172"/>
+              <a:gd name="connsiteY5" fmla="*/ 1326140 h 2023853"/>
+              <a:gd name="connsiteX6" fmla="*/ 2479216 w 2860172"/>
+              <a:gd name="connsiteY6" fmla="*/ 1322755 h 2023853"/>
+              <a:gd name="connsiteX7" fmla="*/ 2348905 w 2860172"/>
+              <a:gd name="connsiteY7" fmla="*/ 1721466 h 2023853"/>
+              <a:gd name="connsiteX8" fmla="*/ 2280556 w 2860172"/>
+              <a:gd name="connsiteY8" fmla="*/ 1058272 h 2023853"/>
+              <a:gd name="connsiteX9" fmla="*/ 2226338 w 2860172"/>
+              <a:gd name="connsiteY9" fmla="*/ 1103673 h 2023853"/>
+              <a:gd name="connsiteX10" fmla="*/ 0 w 2860172"/>
+              <a:gd name="connsiteY10" fmla="*/ 2023853 h 2023853"/>
+              <a:gd name="connsiteX11" fmla="*/ 1702841 w 2860172"/>
+              <a:gd name="connsiteY11" fmla="*/ 735848 h 2023853"/>
+              <a:gd name="connsiteX12" fmla="*/ 1811294 w 2860172"/>
+              <a:gd name="connsiteY12" fmla="*/ 575004 h 2023853"/>
+              <a:gd name="connsiteX13" fmla="*/ 1151281 w 2860172"/>
+              <a:gd name="connsiteY13" fmla="*/ 506068 h 2023853"/>
+              <a:gd name="connsiteX14" fmla="*/ 2640411 w 2860172"/>
+              <a:gd name="connsiteY14" fmla="*/ 20803 h 2023853"/>
+              <a:gd name="connsiteX15" fmla="*/ 2675299 w 2860172"/>
+              <a:gd name="connsiteY15" fmla="*/ 10454 h 2023853"/>
+              <a:gd name="connsiteX16" fmla="*/ 2723651 w 2860172"/>
+              <a:gd name="connsiteY16" fmla="*/ 817 h 2023853"/>
+            </a:gdLst>
+            <a:ahLst/>
+            <a:cxnLst>
+              <a:cxn ang="0">
+                <a:pos x="connsiteX0" y="connsiteY0"/>
+              </a:cxn>
+              <a:cxn ang="0">
+                <a:pos x="connsiteX1" y="connsiteY1"/>
+              </a:cxn>
+              <a:cxn ang="0">
+                <a:pos x="connsiteX2" y="connsiteY2"/>
+              </a:cxn>
+              <a:cxn ang="0">
+                <a:pos x="connsiteX3" y="connsiteY3"/>
+              </a:cxn>
+              <a:cxn ang="0">
+                <a:pos x="connsiteX4" y="connsiteY4"/>
+              </a:cxn>
+              <a:cxn ang="0">
+                <a:pos x="connsiteX5" y="connsiteY5"/>
+              </a:cxn>
+              <a:cxn ang="0">
+                <a:pos x="connsiteX6" y="connsiteY6"/>
+              </a:cxn>
+              <a:cxn ang="0">
+                <a:pos x="connsiteX7" y="connsiteY7"/>
+              </a:cxn>
+              <a:cxn ang="0">
+                <a:pos x="connsiteX8" y="connsiteY8"/>
+              </a:cxn>
+              <a:cxn ang="0">
+                <a:pos x="connsiteX9" y="connsiteY9"/>
+              </a:cxn>
+              <a:cxn ang="0">
+                <a:pos x="connsiteX10" y="connsiteY10"/>
+              </a:cxn>
+              <a:cxn ang="0">
+                <a:pos x="connsiteX11" y="connsiteY11"/>
+              </a:cxn>
+              <a:cxn ang="0">
+                <a:pos x="connsiteX12" y="connsiteY12"/>
+              </a:cxn>
+              <a:cxn ang="0">
+                <a:pos x="connsiteX13" y="connsiteY13"/>
+              </a:cxn>
+              <a:cxn ang="0">
+                <a:pos x="connsiteX14" y="connsiteY14"/>
+              </a:cxn>
+              <a:cxn ang="0">
+                <a:pos x="connsiteX15" y="connsiteY15"/>
+              </a:cxn>
+              <a:cxn ang="0">
+                <a:pos x="connsiteX16" y="connsiteY16"/>
+              </a:cxn>
+            </a:cxnLst>
+            <a:rect l="l" t="t" r="r" b="b"/>
+            <a:pathLst>
+              <a:path w="2860172" h="2023853">
+                <a:moveTo>
+                  <a:pt x="2723651" y="817"/>
+                </a:moveTo>
+                <a:cubicBezTo>
+                  <a:pt x="2768908" y="-3349"/>
+                  <a:pt x="2804496" y="8545"/>
+                  <a:pt x="2826935" y="33337"/>
+                </a:cubicBezTo>
+                <a:cubicBezTo>
+                  <a:pt x="2828146" y="33729"/>
+                  <a:pt x="2828970" y="34520"/>
+                  <a:pt x="2829774" y="35326"/>
+                </a:cubicBezTo>
+                <a:cubicBezTo>
+                  <a:pt x="2860445" y="66039"/>
+                  <a:pt x="2869482" y="118360"/>
+                  <a:pt x="2849613" y="185007"/>
+                </a:cubicBezTo>
+                <a:lnTo>
+                  <a:pt x="2807494" y="326285"/>
+                </a:lnTo>
+                <a:lnTo>
+                  <a:pt x="2480152" y="1326140"/>
+                </a:lnTo>
+                <a:lnTo>
+                  <a:pt x="2479216" y="1322755"/>
+                </a:lnTo>
+                <a:lnTo>
+                  <a:pt x="2348905" y="1721466"/>
+                </a:lnTo>
+                <a:lnTo>
+                  <a:pt x="2280556" y="1058272"/>
+                </a:lnTo>
+                <a:lnTo>
+                  <a:pt x="2226338" y="1103673"/>
+                </a:lnTo>
+                <a:cubicBezTo>
+                  <a:pt x="1323053" y="1809646"/>
+                  <a:pt x="162385" y="2005519"/>
+                  <a:pt x="0" y="2023853"/>
+                </a:cubicBezTo>
+                <a:cubicBezTo>
+                  <a:pt x="722027" y="1807246"/>
+                  <a:pt x="1311081" y="1275400"/>
+                  <a:pt x="1702841" y="735848"/>
+                </a:cubicBezTo>
+                <a:lnTo>
+                  <a:pt x="1811294" y="575004"/>
+                </a:lnTo>
+                <a:lnTo>
+                  <a:pt x="1151281" y="506068"/>
+                </a:lnTo>
+                <a:lnTo>
+                  <a:pt x="2640411" y="20803"/>
+                </a:lnTo>
+                <a:lnTo>
+                  <a:pt x="2675299" y="10454"/>
+                </a:lnTo>
+                <a:cubicBezTo>
+                  <a:pt x="2692405" y="5379"/>
+                  <a:pt x="2708565" y="2206"/>
+                  <a:pt x="2723651" y="817"/>
+                </a:cubicBezTo>
+                <a:close/>
+              </a:path>
+            </a:pathLst>
+          </a:custGeom>
+          <a:solidFill>
+            <a:srgbClr val="0070C0"/>
+          </a:solidFill>
+          <a:ln>
+            <a:noFill/>
+          </a:ln>
+        </p:spPr>
+        <p:style>
+          <a:lnRef idx="2">
+            <a:schemeClr val="accent1">
+              <a:shade val="50000"/>
+            </a:schemeClr>
+          </a:lnRef>
+          <a:fillRef idx="1">
+            <a:schemeClr val="accent1"/>
+          </a:fillRef>
+          <a:effectRef idx="0">
+            <a:schemeClr val="accent1"/>
+          </a:effectRef>
+          <a:fontRef idx="minor">
+            <a:schemeClr val="lt1"/>
+          </a:fontRef>
+        </p:style>
+        <p:txBody>
+          <a:bodyPr anchor="ctr">
+            <a:scene3d>
+              <a:camera prst="orthographicFront"/>
+              <a:lightRig rig="threePt" dir="t"/>
+            </a:scene3d>
+            <a:sp3d>
+              <a:contourClr>
+                <a:srgbClr val="FFFFFF"/>
+              </a:contourClr>
+            </a:sp3d>
+          </a:bodyPr>
+          <a:lstStyle>
+            <a:defPPr>
+              <a:defRPr lang="zh-CN"/>
+            </a:defPPr>
+            <a:lvl1pPr algn="l" rtl="0" eaLnBrk="0" fontAlgn="base" hangingPunct="0">
+              <a:spcBef>
+                <a:spcPct val="0"/>
+              </a:spcBef>
+              <a:spcAft>
+                <a:spcPct val="0"/>
+              </a:spcAft>
+              <a:defRPr kern="1200">
+                <a:solidFill>
+                  <a:schemeClr val="lt1"/>
+                </a:solidFill>
+                <a:latin typeface="+mn-lt"/>
+                <a:ea typeface="+mn-ea"/>
+                <a:cs typeface="+mn-cs"/>
+              </a:defRPr>
+            </a:lvl1pPr>
+            <a:lvl2pPr marL="457200" algn="l" rtl="0" eaLnBrk="0" fontAlgn="base" hangingPunct="0">
+              <a:spcBef>
+                <a:spcPct val="0"/>
+              </a:spcBef>
+              <a:spcAft>
+                <a:spcPct val="0"/>
+              </a:spcAft>
+              <a:defRPr kern="1200">
+                <a:solidFill>
+                  <a:schemeClr val="lt1"/>
+                </a:solidFill>
+                <a:latin typeface="+mn-lt"/>
+                <a:ea typeface="+mn-ea"/>
+                <a:cs typeface="+mn-cs"/>
+              </a:defRPr>
+            </a:lvl2pPr>
+            <a:lvl3pPr marL="914400" algn="l" rtl="0" eaLnBrk="0" fontAlgn="base" hangingPunct="0">
+              <a:spcBef>
+                <a:spcPct val="0"/>
+              </a:spcBef>
+              <a:spcAft>
+                <a:spcPct val="0"/>
+              </a:spcAft>
+              <a:defRPr kern="1200">
+                <a:solidFill>
+                  <a:schemeClr val="lt1"/>
+                </a:solidFill>
+                <a:latin typeface="+mn-lt"/>
+                <a:ea typeface="+mn-ea"/>
+                <a:cs typeface="+mn-cs"/>
+              </a:defRPr>
+            </a:lvl3pPr>
+            <a:lvl4pPr marL="1371600" algn="l" rtl="0" eaLnBrk="0" fontAlgn="base" hangingPunct="0">
+              <a:spcBef>
+                <a:spcPct val="0"/>
+              </a:spcBef>
+              <a:spcAft>
+                <a:spcPct val="0"/>
+              </a:spcAft>
+              <a:defRPr kern="1200">
+                <a:solidFill>
+                  <a:schemeClr val="lt1"/>
+                </a:solidFill>
+                <a:latin typeface="+mn-lt"/>
+                <a:ea typeface="+mn-ea"/>
+                <a:cs typeface="+mn-cs"/>
+              </a:defRPr>
+            </a:lvl4pPr>
+            <a:lvl5pPr marL="1828800" algn="l" rtl="0" eaLnBrk="0" fontAlgn="base" hangingPunct="0">
+              <a:spcBef>
+                <a:spcPct val="0"/>
+              </a:spcBef>
+              <a:spcAft>
+                <a:spcPct val="0"/>
+              </a:spcAft>
+              <a:defRPr kern="1200">
+                <a:solidFill>
+                  <a:schemeClr val="lt1"/>
+                </a:solidFill>
+                <a:latin typeface="+mn-lt"/>
+                <a:ea typeface="+mn-ea"/>
+                <a:cs typeface="+mn-cs"/>
+              </a:defRPr>
+            </a:lvl5pPr>
+            <a:lvl6pPr marL="2286000" algn="l" defTabSz="914400" rtl="0" eaLnBrk="1" latinLnBrk="0" hangingPunct="1">
+              <a:defRPr kern="1200">
+                <a:solidFill>
+                  <a:schemeClr val="lt1"/>
+                </a:solidFill>
+                <a:latin typeface="+mn-lt"/>
+                <a:ea typeface="+mn-ea"/>
+                <a:cs typeface="+mn-cs"/>
+              </a:defRPr>
+            </a:lvl6pPr>
+            <a:lvl7pPr marL="2743200" algn="l" defTabSz="914400" rtl="0" eaLnBrk="1" latinLnBrk="0" hangingPunct="1">
+              <a:defRPr kern="1200">
+                <a:solidFill>
+                  <a:schemeClr val="lt1"/>
+                </a:solidFill>
+                <a:latin typeface="+mn-lt"/>
+                <a:ea typeface="+mn-ea"/>
+                <a:cs typeface="+mn-cs"/>
+              </a:defRPr>
+            </a:lvl7pPr>
+            <a:lvl8pPr marL="3200400" algn="l" defTabSz="914400" rtl="0" eaLnBrk="1" latinLnBrk="0" hangingPunct="1">
+              <a:defRPr kern="1200">
+                <a:solidFill>
+                  <a:schemeClr val="lt1"/>
+                </a:solidFill>
+                <a:latin typeface="+mn-lt"/>
+                <a:ea typeface="+mn-ea"/>
+                <a:cs typeface="+mn-cs"/>
+              </a:defRPr>
+            </a:lvl8pPr>
+            <a:lvl9pPr marL="3657600" algn="l" defTabSz="914400" rtl="0" eaLnBrk="1" latinLnBrk="0" hangingPunct="1">
+              <a:defRPr kern="1200">
+                <a:solidFill>
+                  <a:schemeClr val="lt1"/>
+                </a:solidFill>
+                <a:latin typeface="+mn-lt"/>
+                <a:ea typeface="+mn-ea"/>
+                <a:cs typeface="+mn-cs"/>
+              </a:defRPr>
+            </a:lvl9pPr>
+          </a:lstStyle>
+          <a:p>
+            <a:pPr algn="ctr" eaLnBrk="1" fontAlgn="auto" hangingPunct="1">
+              <a:spcBef>
+                <a:spcPts val="0"/>
+              </a:spcBef>
+              <a:spcAft>
+                <a:spcPts val="0"/>
+              </a:spcAft>
+              <a:defRPr/>
+            </a:pPr>
+            <a:endParaRPr lang="zh-CN" altLang="en-US">
+              <a:solidFill>
+                <a:srgbClr val="FFFFFF"/>
+              </a:solidFill>
             </a:endParaRPr>
           </a:p>
         </p:txBody>
@@ -11749,6 +12306,7 @@
             <a:spAutoFit/>
           </a:bodyPr>
           <a:p>
+            <a:pPr indent="457200" eaLnBrk="1" latinLnBrk="0" hangingPunct="1"/>
             <a:r>
               <a:rPr lang="zh-CN" altLang="en-US"/>
               <a:t>可以看到， odd 不是普通函数， 而是generator， 在执行过程中， 遇到 yield 就中断， 下次又继续执行。 执行3次 yield 后， 已经没有 yield 可以执行了， 所以， 第4次调用 next(o) 就报错。</a:t>
@@ -11757,73 +12315,120 @@
           </a:p>
           <a:p>
             <a:r>
-              <a:rPr lang="zh-CN" altLang="en-US" sz="2000"/>
+              <a:rPr lang="zh-CN" altLang="en-US" sz="2000">
+                <a:latin typeface="Source Code Pro" panose="020B0509030403020204" charset="0"/>
+                <a:cs typeface="Source Code Pro" panose="020B0509030403020204" charset="0"/>
+              </a:rPr>
               <a:t>g = fib(6)</a:t>
             </a:r>
-            <a:endParaRPr lang="zh-CN" altLang="en-US" sz="2000"/>
-          </a:p>
-          <a:p>
-            <a:r>
-              <a:rPr lang="zh-CN" altLang="en-US" sz="2000"/>
+            <a:endParaRPr lang="zh-CN" altLang="en-US" sz="2000">
+              <a:latin typeface="Source Code Pro" panose="020B0509030403020204" charset="0"/>
+              <a:cs typeface="Source Code Pro" panose="020B0509030403020204" charset="0"/>
+            </a:endParaRPr>
+          </a:p>
+          <a:p>
+            <a:r>
+              <a:rPr lang="zh-CN" altLang="en-US" sz="2000">
+                <a:latin typeface="Source Code Pro" panose="020B0509030403020204" charset="0"/>
+                <a:cs typeface="Source Code Pro" panose="020B0509030403020204" charset="0"/>
+              </a:rPr>
               <a:t>while True:</a:t>
             </a:r>
-            <a:endParaRPr lang="zh-CN" altLang="en-US" sz="2000"/>
-          </a:p>
-          <a:p>
-            <a:r>
-              <a:rPr lang="zh-CN" altLang="en-US" sz="2000"/>
+            <a:endParaRPr lang="zh-CN" altLang="en-US" sz="2000">
+              <a:latin typeface="Source Code Pro" panose="020B0509030403020204" charset="0"/>
+              <a:cs typeface="Source Code Pro" panose="020B0509030403020204" charset="0"/>
+            </a:endParaRPr>
+          </a:p>
+          <a:p>
+            <a:r>
+              <a:rPr lang="zh-CN" altLang="en-US" sz="2000">
+                <a:latin typeface="Source Code Pro" panose="020B0509030403020204" charset="0"/>
+                <a:cs typeface="Source Code Pro" panose="020B0509030403020204" charset="0"/>
+              </a:rPr>
               <a:t>    try:</a:t>
             </a:r>
-            <a:endParaRPr lang="zh-CN" altLang="en-US" sz="2000"/>
+            <a:endParaRPr lang="zh-CN" altLang="en-US" sz="2000">
+              <a:latin typeface="Source Code Pro" panose="020B0509030403020204" charset="0"/>
+              <a:cs typeface="Source Code Pro" panose="020B0509030403020204" charset="0"/>
+            </a:endParaRPr>
           </a:p>
           <a:p>
             <a:r>
               <a:rPr lang="zh-CN" altLang="en-US" sz="2000">
+                <a:latin typeface="Source Code Pro" panose="020B0509030403020204" charset="0"/>
+                <a:cs typeface="Source Code Pro" panose="020B0509030403020204" charset="0"/>
                 <a:sym typeface="+mn-ea"/>
               </a:rPr>
               <a:t>        </a:t>
             </a:r>
             <a:r>
-              <a:rPr lang="zh-CN" altLang="en-US" sz="2000"/>
+              <a:rPr lang="zh-CN" altLang="en-US" sz="2000">
+                <a:latin typeface="Source Code Pro" panose="020B0509030403020204" charset="0"/>
+                <a:cs typeface="Source Code Pro" panose="020B0509030403020204" charset="0"/>
+              </a:rPr>
               <a:t>x = next(g)</a:t>
             </a:r>
-            <a:endParaRPr lang="zh-CN" altLang="en-US" sz="2000"/>
+            <a:endParaRPr lang="zh-CN" altLang="en-US" sz="2000">
+              <a:latin typeface="Source Code Pro" panose="020B0509030403020204" charset="0"/>
+              <a:cs typeface="Source Code Pro" panose="020B0509030403020204" charset="0"/>
+            </a:endParaRPr>
           </a:p>
           <a:p>
             <a:r>
               <a:rPr lang="zh-CN" altLang="en-US" sz="2000">
+                <a:latin typeface="Source Code Pro" panose="020B0509030403020204" charset="0"/>
+                <a:cs typeface="Source Code Pro" panose="020B0509030403020204" charset="0"/>
                 <a:sym typeface="+mn-ea"/>
               </a:rPr>
               <a:t>        </a:t>
             </a:r>
             <a:r>
-              <a:rPr lang="zh-CN" altLang="en-US" sz="2000"/>
+              <a:rPr lang="zh-CN" altLang="en-US" sz="2000">
+                <a:latin typeface="Source Code Pro" panose="020B0509030403020204" charset="0"/>
+                <a:cs typeface="Source Code Pro" panose="020B0509030403020204" charset="0"/>
+              </a:rPr>
               <a:t>print('g:', x)</a:t>
             </a:r>
-            <a:endParaRPr lang="zh-CN" altLang="en-US" sz="2000"/>
+            <a:endParaRPr lang="zh-CN" altLang="en-US" sz="2000">
+              <a:latin typeface="Source Code Pro" panose="020B0509030403020204" charset="0"/>
+              <a:cs typeface="Source Code Pro" panose="020B0509030403020204" charset="0"/>
+            </a:endParaRPr>
           </a:p>
           <a:p>
             <a:r>
               <a:rPr lang="zh-CN" altLang="en-US" sz="2000">
+                <a:latin typeface="Source Code Pro" panose="020B0509030403020204" charset="0"/>
+                <a:cs typeface="Source Code Pro" panose="020B0509030403020204" charset="0"/>
                 <a:sym typeface="+mn-ea"/>
               </a:rPr>
               <a:t>    </a:t>
             </a:r>
             <a:r>
-              <a:rPr lang="zh-CN" altLang="en-US" sz="2000"/>
+              <a:rPr lang="zh-CN" altLang="en-US" sz="2000">
+                <a:latin typeface="Source Code Pro" panose="020B0509030403020204" charset="0"/>
+                <a:cs typeface="Source Code Pro" panose="020B0509030403020204" charset="0"/>
+              </a:rPr>
               <a:t>except StopIteration as e:</a:t>
             </a:r>
-            <a:endParaRPr lang="zh-CN" altLang="en-US" sz="2000"/>
+            <a:endParaRPr lang="zh-CN" altLang="en-US" sz="2000">
+              <a:latin typeface="Source Code Pro" panose="020B0509030403020204" charset="0"/>
+              <a:cs typeface="Source Code Pro" panose="020B0509030403020204" charset="0"/>
+            </a:endParaRPr>
           </a:p>
           <a:p>
             <a:r>
               <a:rPr lang="zh-CN" altLang="en-US" sz="2000">
+                <a:latin typeface="Source Code Pro" panose="020B0509030403020204" charset="0"/>
+                <a:cs typeface="Source Code Pro" panose="020B0509030403020204" charset="0"/>
                 <a:sym typeface="+mn-ea"/>
               </a:rPr>
               <a:t>        </a:t>
             </a:r>
             <a:r>
-              <a:rPr lang="zh-CN" altLang="en-US" sz="2000"/>
+              <a:rPr lang="zh-CN" altLang="en-US" sz="2000">
+                <a:latin typeface="Source Code Pro" panose="020B0509030403020204" charset="0"/>
+                <a:cs typeface="Source Code Pro" panose="020B0509030403020204" charset="0"/>
+              </a:rPr>
               <a:t>print('Generator return value:', </a:t>
             </a:r>
             <a:r>
@@ -11831,27 +12436,43 @@
                 <a:solidFill>
                   <a:srgbClr val="FF0000"/>
                 </a:solidFill>
+                <a:latin typeface="Source Code Pro" panose="020B0509030403020204" charset="0"/>
+                <a:cs typeface="Source Code Pro" panose="020B0509030403020204" charset="0"/>
               </a:rPr>
               <a:t>e.value</a:t>
             </a:r>
             <a:r>
-              <a:rPr lang="zh-CN" altLang="en-US" sz="2000"/>
+              <a:rPr lang="zh-CN" altLang="en-US" sz="2000">
+                <a:latin typeface="Source Code Pro" panose="020B0509030403020204" charset="0"/>
+                <a:cs typeface="Source Code Pro" panose="020B0509030403020204" charset="0"/>
+              </a:rPr>
               <a:t>)</a:t>
             </a:r>
-            <a:endParaRPr lang="zh-CN" altLang="en-US" sz="2000"/>
+            <a:endParaRPr lang="zh-CN" altLang="en-US" sz="2000">
+              <a:latin typeface="Source Code Pro" panose="020B0509030403020204" charset="0"/>
+              <a:cs typeface="Source Code Pro" panose="020B0509030403020204" charset="0"/>
+            </a:endParaRPr>
           </a:p>
           <a:p>
             <a:r>
               <a:rPr lang="zh-CN" altLang="en-US" sz="2000">
+                <a:latin typeface="Source Code Pro" panose="020B0509030403020204" charset="0"/>
+                <a:cs typeface="Source Code Pro" panose="020B0509030403020204" charset="0"/>
                 <a:sym typeface="+mn-ea"/>
               </a:rPr>
               <a:t>        </a:t>
             </a:r>
             <a:r>
-              <a:rPr lang="zh-CN" altLang="en-US" sz="2000"/>
+              <a:rPr lang="zh-CN" altLang="en-US" sz="2000">
+                <a:latin typeface="Source Code Pro" panose="020B0509030403020204" charset="0"/>
+                <a:cs typeface="Source Code Pro" panose="020B0509030403020204" charset="0"/>
+              </a:rPr>
               <a:t>break</a:t>
             </a:r>
-            <a:endParaRPr lang="zh-CN" altLang="en-US" sz="2000"/>
+            <a:endParaRPr lang="zh-CN" altLang="en-US" sz="2000">
+              <a:latin typeface="Source Code Pro" panose="020B0509030403020204" charset="0"/>
+              <a:cs typeface="Source Code Pro" panose="020B0509030403020204" charset="0"/>
+            </a:endParaRPr>
           </a:p>
         </p:txBody>
       </p:sp>
